--- a/docs/Прочее/EDUKIT.pptx
+++ b/docs/Прочее/EDUKIT.pptx
@@ -116,7 +116,7 @@
   </p:defaultTextStyle>
   <p:extLst>
     <p:ext uri="{EFAFB233-063F-42B5-8137-9DF3F51BA10A}">
-      <p15:sldGuideLst xmlns:p15="http://schemas.microsoft.com/office/powerpoint/2012/main"/>
+      <p15:sldGuideLst xmlns:p15="http://schemas.microsoft.com/office/powerpoint/2012/main" xmlns=""/>
     </p:ext>
   </p:extLst>
 </p:presentation>
@@ -6401,7 +6401,11 @@
         <a:p>
           <a:r>
             <a:rPr lang="ru-RU" dirty="0" smtClean="0"/>
-            <a:t>Обмен данными образовательной деятельности</a:t>
+            <a:t>Обмен данными </a:t>
+          </a:r>
+          <a:r>
+            <a:rPr lang="ru-RU" smtClean="0"/>
+            <a:t>образовательной деятельности</a:t>
           </a:r>
           <a:endParaRPr lang="ru-RU" dirty="0"/>
         </a:p>
@@ -7145,21 +7149,21 @@
     </dgm:pt>
   </dgm:ptLst>
   <dgm:cxnLst>
-    <dgm:cxn modelId="{19D667E6-D45B-4B7E-91E8-4374403C4CC7}" type="presOf" srcId="{749F1199-F704-420A-8397-E1D85989B673}" destId="{F5D46F5D-BCFC-4BF9-82DE-6DC8A4F929F0}" srcOrd="0" destOrd="0" presId="urn:microsoft.com/office/officeart/2005/8/layout/radial6"/>
-    <dgm:cxn modelId="{AEF79B0A-BB7E-4D1D-BC4A-28AA092BADD4}" type="presOf" srcId="{C8E025B5-F0F4-4F8A-BE09-C8CB7D067A41}" destId="{93E663E5-2EA9-46F1-9F2A-BAFACE0E3D70}" srcOrd="0" destOrd="0" presId="urn:microsoft.com/office/officeart/2005/8/layout/radial6"/>
-    <dgm:cxn modelId="{4346EBBC-7620-4738-BEC9-C96DEBC5AD77}" type="presOf" srcId="{64297AF2-DB41-4A02-89B0-32A430A5A6F3}" destId="{28921AD5-72BC-46B7-A831-D13C5FF74155}" srcOrd="0" destOrd="0" presId="urn:microsoft.com/office/officeart/2005/8/layout/radial6"/>
-    <dgm:cxn modelId="{AFC8F2C5-655A-41D3-AD70-7194FFB92949}" type="presOf" srcId="{B29A18AC-CAC2-401F-BB79-6CD94B242DD6}" destId="{DCEED6DC-9A2C-412B-9002-D94948E0346F}" srcOrd="0" destOrd="0" presId="urn:microsoft.com/office/officeart/2005/8/layout/radial6"/>
-    <dgm:cxn modelId="{0F256611-D3DE-4C36-973F-E8FA1AADACFA}" type="presOf" srcId="{BB00402F-EB30-4A68-9928-BC1A681F7AEF}" destId="{62BCEDF2-50AB-4C68-922C-1361608C57CE}" srcOrd="0" destOrd="0" presId="urn:microsoft.com/office/officeart/2005/8/layout/radial6"/>
-    <dgm:cxn modelId="{1E540EA9-0AEC-49E2-8DBD-E0A72EF3490B}" srcId="{64297AF2-DB41-4A02-89B0-32A430A5A6F3}" destId="{23F10A99-7BB7-46C7-8F7B-545462F7ECDE}" srcOrd="0" destOrd="0" parTransId="{EE3C83AA-647B-4657-A55E-F352CA97E7DC}" sibTransId="{BB00402F-EB30-4A68-9928-BC1A681F7AEF}"/>
     <dgm:cxn modelId="{7BEABE01-2BE9-4BEC-B806-13DADA142108}" type="presOf" srcId="{23F10A99-7BB7-46C7-8F7B-545462F7ECDE}" destId="{D3554C28-59A9-4594-BF9C-EFEAC992720E}" srcOrd="0" destOrd="0" presId="urn:microsoft.com/office/officeart/2005/8/layout/radial6"/>
-    <dgm:cxn modelId="{4A908A5E-8219-4B06-809F-AFDE1AF0A9AF}" type="presOf" srcId="{E4C22CC5-160F-4354-9CC4-526DD954A1A1}" destId="{818FFE94-F43A-469A-87B7-64790EA00DFB}" srcOrd="0" destOrd="0" presId="urn:microsoft.com/office/officeart/2005/8/layout/radial6"/>
-    <dgm:cxn modelId="{1D0713D4-5BBB-487C-B36C-E7830D895E50}" srcId="{64297AF2-DB41-4A02-89B0-32A430A5A6F3}" destId="{C8E025B5-F0F4-4F8A-BE09-C8CB7D067A41}" srcOrd="2" destOrd="0" parTransId="{CD5A03F8-C67D-45E3-8996-57F676583D84}" sibTransId="{EBC88A1D-FC41-408D-9857-3623467DAB35}"/>
-    <dgm:cxn modelId="{A31B8CA8-9E4F-41ED-866D-F0240A258284}" type="presOf" srcId="{3EF9905B-F8C3-4918-BABF-9CD505363EFC}" destId="{618C74A5-A1B7-46C7-ADFE-4D62EAE75684}" srcOrd="0" destOrd="0" presId="urn:microsoft.com/office/officeart/2005/8/layout/radial6"/>
     <dgm:cxn modelId="{3E5B3194-2638-4AA7-B9CF-AC51566F4234}" type="presOf" srcId="{EBC88A1D-FC41-408D-9857-3623467DAB35}" destId="{E1E8DAAF-309D-42A0-BC40-5EB27B05B197}" srcOrd="0" destOrd="0" presId="urn:microsoft.com/office/officeart/2005/8/layout/radial6"/>
     <dgm:cxn modelId="{7F535DBF-6840-4178-A35F-B12FF714F6EF}" srcId="{64297AF2-DB41-4A02-89B0-32A430A5A6F3}" destId="{E4C22CC5-160F-4354-9CC4-526DD954A1A1}" srcOrd="1" destOrd="0" parTransId="{CA4E2E1C-8C52-41B1-A4F4-CFDFEEAF9852}" sibTransId="{DD2DCE7C-2966-45B6-9E69-AFCD6877F71B}"/>
+    <dgm:cxn modelId="{BCF667B1-FCF5-4985-9B7C-E3FFEF9BD10E}" srcId="{3EF9905B-F8C3-4918-BABF-9CD505363EFC}" destId="{64297AF2-DB41-4A02-89B0-32A430A5A6F3}" srcOrd="0" destOrd="0" parTransId="{F5C6B7EB-6941-49BE-A976-DA26DB213D04}" sibTransId="{6B1E66E0-7E2D-4694-8BC6-90F7C0E8A986}"/>
+    <dgm:cxn modelId="{1D0713D4-5BBB-487C-B36C-E7830D895E50}" srcId="{64297AF2-DB41-4A02-89B0-32A430A5A6F3}" destId="{C8E025B5-F0F4-4F8A-BE09-C8CB7D067A41}" srcOrd="2" destOrd="0" parTransId="{CD5A03F8-C67D-45E3-8996-57F676583D84}" sibTransId="{EBC88A1D-FC41-408D-9857-3623467DAB35}"/>
+    <dgm:cxn modelId="{0F256611-D3DE-4C36-973F-E8FA1AADACFA}" type="presOf" srcId="{BB00402F-EB30-4A68-9928-BC1A681F7AEF}" destId="{62BCEDF2-50AB-4C68-922C-1361608C57CE}" srcOrd="0" destOrd="0" presId="urn:microsoft.com/office/officeart/2005/8/layout/radial6"/>
+    <dgm:cxn modelId="{AFC8F2C5-655A-41D3-AD70-7194FFB92949}" type="presOf" srcId="{B29A18AC-CAC2-401F-BB79-6CD94B242DD6}" destId="{DCEED6DC-9A2C-412B-9002-D94948E0346F}" srcOrd="0" destOrd="0" presId="urn:microsoft.com/office/officeart/2005/8/layout/radial6"/>
+    <dgm:cxn modelId="{4A908A5E-8219-4B06-809F-AFDE1AF0A9AF}" type="presOf" srcId="{E4C22CC5-160F-4354-9CC4-526DD954A1A1}" destId="{818FFE94-F43A-469A-87B7-64790EA00DFB}" srcOrd="0" destOrd="0" presId="urn:microsoft.com/office/officeart/2005/8/layout/radial6"/>
+    <dgm:cxn modelId="{740BF18A-2FC2-4814-950C-403CFFFCC4FA}" type="presOf" srcId="{DD2DCE7C-2966-45B6-9E69-AFCD6877F71B}" destId="{614652DC-C4BE-4093-8995-044374EE6A34}" srcOrd="0" destOrd="0" presId="urn:microsoft.com/office/officeart/2005/8/layout/radial6"/>
+    <dgm:cxn modelId="{4346EBBC-7620-4738-BEC9-C96DEBC5AD77}" type="presOf" srcId="{64297AF2-DB41-4A02-89B0-32A430A5A6F3}" destId="{28921AD5-72BC-46B7-A831-D13C5FF74155}" srcOrd="0" destOrd="0" presId="urn:microsoft.com/office/officeart/2005/8/layout/radial6"/>
+    <dgm:cxn modelId="{1E540EA9-0AEC-49E2-8DBD-E0A72EF3490B}" srcId="{64297AF2-DB41-4A02-89B0-32A430A5A6F3}" destId="{23F10A99-7BB7-46C7-8F7B-545462F7ECDE}" srcOrd="0" destOrd="0" parTransId="{EE3C83AA-647B-4657-A55E-F352CA97E7DC}" sibTransId="{BB00402F-EB30-4A68-9928-BC1A681F7AEF}"/>
+    <dgm:cxn modelId="{A31B8CA8-9E4F-41ED-866D-F0240A258284}" type="presOf" srcId="{3EF9905B-F8C3-4918-BABF-9CD505363EFC}" destId="{618C74A5-A1B7-46C7-ADFE-4D62EAE75684}" srcOrd="0" destOrd="0" presId="urn:microsoft.com/office/officeart/2005/8/layout/radial6"/>
+    <dgm:cxn modelId="{AEF79B0A-BB7E-4D1D-BC4A-28AA092BADD4}" type="presOf" srcId="{C8E025B5-F0F4-4F8A-BE09-C8CB7D067A41}" destId="{93E663E5-2EA9-46F1-9F2A-BAFACE0E3D70}" srcOrd="0" destOrd="0" presId="urn:microsoft.com/office/officeart/2005/8/layout/radial6"/>
+    <dgm:cxn modelId="{19D667E6-D45B-4B7E-91E8-4374403C4CC7}" type="presOf" srcId="{749F1199-F704-420A-8397-E1D85989B673}" destId="{F5D46F5D-BCFC-4BF9-82DE-6DC8A4F929F0}" srcOrd="0" destOrd="0" presId="urn:microsoft.com/office/officeart/2005/8/layout/radial6"/>
     <dgm:cxn modelId="{AC11EAB7-54A3-4B81-AE77-24A6639CF3CC}" srcId="{64297AF2-DB41-4A02-89B0-32A430A5A6F3}" destId="{B29A18AC-CAC2-401F-BB79-6CD94B242DD6}" srcOrd="3" destOrd="0" parTransId="{7F2E6061-4CDF-49B0-BF24-3FA27E00D313}" sibTransId="{749F1199-F704-420A-8397-E1D85989B673}"/>
-    <dgm:cxn modelId="{BCF667B1-FCF5-4985-9B7C-E3FFEF9BD10E}" srcId="{3EF9905B-F8C3-4918-BABF-9CD505363EFC}" destId="{64297AF2-DB41-4A02-89B0-32A430A5A6F3}" srcOrd="0" destOrd="0" parTransId="{F5C6B7EB-6941-49BE-A976-DA26DB213D04}" sibTransId="{6B1E66E0-7E2D-4694-8BC6-90F7C0E8A986}"/>
-    <dgm:cxn modelId="{740BF18A-2FC2-4814-950C-403CFFFCC4FA}" type="presOf" srcId="{DD2DCE7C-2966-45B6-9E69-AFCD6877F71B}" destId="{614652DC-C4BE-4093-8995-044374EE6A34}" srcOrd="0" destOrd="0" presId="urn:microsoft.com/office/officeart/2005/8/layout/radial6"/>
     <dgm:cxn modelId="{DCC0DA25-9D79-4423-B4D0-5C04E93B6E86}" type="presParOf" srcId="{618C74A5-A1B7-46C7-ADFE-4D62EAE75684}" destId="{28921AD5-72BC-46B7-A831-D13C5FF74155}" srcOrd="0" destOrd="0" presId="urn:microsoft.com/office/officeart/2005/8/layout/radial6"/>
     <dgm:cxn modelId="{A6FB2371-C355-4609-BFA2-64D028F29A07}" type="presParOf" srcId="{618C74A5-A1B7-46C7-ADFE-4D62EAE75684}" destId="{D3554C28-59A9-4594-BF9C-EFEAC992720E}" srcOrd="1" destOrd="0" presId="urn:microsoft.com/office/officeart/2005/8/layout/radial6"/>
     <dgm:cxn modelId="{B8B3F5C5-8221-4929-845A-BECD5EB83D9E}" type="presParOf" srcId="{618C74A5-A1B7-46C7-ADFE-4D62EAE75684}" destId="{6640C44B-ADF6-4205-9EEB-F9C1CC85E795}" srcOrd="2" destOrd="0" presId="urn:microsoft.com/office/officeart/2005/8/layout/radial6"/>
@@ -7318,12 +7322,8 @@
         <a:p>
           <a:pPr algn="ctr"/>
           <a:r>
-            <a:rPr lang="ru-RU" dirty="0" smtClean="0"/>
-            <a:t>Проходит</a:t>
-          </a:r>
-          <a:r>
             <a:rPr lang="ru-RU" baseline="0" dirty="0" smtClean="0"/>
-            <a:t> тестирование</a:t>
+            <a:t>Тестирование</a:t>
           </a:r>
           <a:endParaRPr lang="ru-RU" dirty="0"/>
         </a:p>
@@ -9011,7 +9011,7 @@
         <a:p>
           <a:r>
             <a:rPr lang="ru-RU" dirty="0" smtClean="0"/>
-            <a:t>Слабая оптимизация под мобильные системы</a:t>
+            <a:t>Несовместимость с аналогами</a:t>
           </a:r>
           <a:endParaRPr lang="ru-RU" dirty="0"/>
         </a:p>
@@ -9123,7 +9123,7 @@
         <a:p>
           <a:r>
             <a:rPr lang="ru-RU" dirty="0" smtClean="0"/>
-            <a:t>Актуальность информации</a:t>
+            <a:t>Автоматизирует основные процессы работы учебного отделения</a:t>
           </a:r>
           <a:endParaRPr lang="ru-RU" dirty="0"/>
         </a:p>
@@ -9160,7 +9160,7 @@
         <a:p>
           <a:r>
             <a:rPr lang="ru-RU" dirty="0" smtClean="0"/>
-            <a:t>Простота в использовании</a:t>
+            <a:t>Бесплатная</a:t>
           </a:r>
           <a:endParaRPr lang="ru-RU" dirty="0"/>
         </a:p>
@@ -9426,19 +9426,19 @@
     </dgm:pt>
   </dgm:ptLst>
   <dgm:cxnLst>
+    <dgm:cxn modelId="{3A953C03-7006-45E8-BBC0-27F1FDEFC4AC}" type="presOf" srcId="{CDB80BA5-50A6-493A-87C6-0776A6BBF30D}" destId="{37155EBC-0ACF-4BDD-AD2E-AE934087EF93}" srcOrd="0" destOrd="0" presId="urn:microsoft.com/office/officeart/2008/layout/SquareAccentList"/>
+    <dgm:cxn modelId="{92D3B9D5-164E-4A71-8A89-49F24C3C5767}" type="presOf" srcId="{B1689632-46EB-4E02-AC0B-8CABAE83DAEB}" destId="{249ECA88-BD6B-4386-ABEC-7FEF893E55ED}" srcOrd="0" destOrd="0" presId="urn:microsoft.com/office/officeart/2008/layout/SquareAccentList"/>
+    <dgm:cxn modelId="{2B5DAC02-1950-4085-B3DA-90FA5AECAC17}" srcId="{A9D4FCCA-6EF4-40AC-8D7E-AE30D1100ECC}" destId="{B1689632-46EB-4E02-AC0B-8CABAE83DAEB}" srcOrd="0" destOrd="0" parTransId="{8BC39453-94BE-4C80-BAE2-426A324E7EE4}" sibTransId="{7E23FC40-65AD-4903-BA97-830B9B16FAF6}"/>
     <dgm:cxn modelId="{A563BBD9-4297-4D2B-B8C5-8C525DD12807}" type="presOf" srcId="{A9D4FCCA-6EF4-40AC-8D7E-AE30D1100ECC}" destId="{5316971E-4AAE-43B2-8B38-5C8152BF5349}" srcOrd="0" destOrd="0" presId="urn:microsoft.com/office/officeart/2008/layout/SquareAccentList"/>
+    <dgm:cxn modelId="{F6B4DCB7-A4B0-46AC-B8A4-177AEAB3E0B3}" type="presOf" srcId="{82F10C44-6873-406F-A4E3-2953D084B8D0}" destId="{CAB5B97B-61ED-408D-8E0C-FC3F6DBEC5D8}" srcOrd="0" destOrd="0" presId="urn:microsoft.com/office/officeart/2008/layout/SquareAccentList"/>
+    <dgm:cxn modelId="{7AD98A8E-5B45-41F1-8995-6A84C60E243D}" srcId="{82F10C44-6873-406F-A4E3-2953D084B8D0}" destId="{D20875CB-BEC1-4B92-9230-8BC15D5456FB}" srcOrd="0" destOrd="0" parTransId="{37095134-37B7-455F-811A-000C6B6410FC}" sibTransId="{1ACB3E53-04E6-4FA2-A5BA-42D451A2760E}"/>
+    <dgm:cxn modelId="{816D1FBE-ED63-43E7-8475-EC6CAAADB053}" type="presOf" srcId="{D20875CB-BEC1-4B92-9230-8BC15D5456FB}" destId="{A6AFC600-7F3C-49DE-8CC2-6F9CA194174C}" srcOrd="0" destOrd="0" presId="urn:microsoft.com/office/officeart/2008/layout/SquareAccentList"/>
     <dgm:cxn modelId="{0986F16F-6853-4963-9E53-1DD1C900211D}" type="presOf" srcId="{4F2C388A-B682-40D0-B311-87A469CD1185}" destId="{67F12D13-1256-41C2-B3F0-2FDDF1407A2E}" srcOrd="0" destOrd="0" presId="urn:microsoft.com/office/officeart/2008/layout/SquareAccentList"/>
+    <dgm:cxn modelId="{0B9EC719-F6CA-4704-B5E3-E27AAD3793DD}" srcId="{82F10C44-6873-406F-A4E3-2953D084B8D0}" destId="{4F2C388A-B682-40D0-B311-87A469CD1185}" srcOrd="1" destOrd="0" parTransId="{ADA61947-628B-4EB0-84F3-6BE35D518C56}" sibTransId="{E45C58B4-A364-460A-8AF1-F9342BBFF2B2}"/>
+    <dgm:cxn modelId="{2B8164F1-94B0-4079-B47A-A1394FD59A6F}" srcId="{B1689632-46EB-4E02-AC0B-8CABAE83DAEB}" destId="{CDB80BA5-50A6-493A-87C6-0776A6BBF30D}" srcOrd="0" destOrd="0" parTransId="{F55F2F6F-1398-4692-A70E-05AA0F1B2E23}" sibTransId="{9D0EAC20-D918-469B-9F09-E1AE79E254E3}"/>
+    <dgm:cxn modelId="{4E311A9E-510F-4D2B-B075-10974950BA00}" srcId="{82F10C44-6873-406F-A4E3-2953D084B8D0}" destId="{54D760E2-0EB1-4294-9D0D-34E7D4AA0612}" srcOrd="2" destOrd="0" parTransId="{E7BF69F1-CD23-45CF-96F2-0739E2D3E90D}" sibTransId="{E9D665B9-8A54-4E3E-973C-30F8A1108376}"/>
+    <dgm:cxn modelId="{28317A9E-6F91-4222-B5C5-F69B08E061B7}" srcId="{A9D4FCCA-6EF4-40AC-8D7E-AE30D1100ECC}" destId="{82F10C44-6873-406F-A4E3-2953D084B8D0}" srcOrd="1" destOrd="0" parTransId="{3F3BF53F-DA13-415C-913A-1F1C3D0F7D3C}" sibTransId="{8FE15857-0D04-4709-88F3-44990D388EEB}"/>
     <dgm:cxn modelId="{83EBB946-11BE-49C8-BFEC-2BBA612B9F06}" type="presOf" srcId="{54D760E2-0EB1-4294-9D0D-34E7D4AA0612}" destId="{BAB54A79-88F1-4A0F-8DEC-EC8003F8BDB3}" srcOrd="0" destOrd="0" presId="urn:microsoft.com/office/officeart/2008/layout/SquareAccentList"/>
-    <dgm:cxn modelId="{2B8164F1-94B0-4079-B47A-A1394FD59A6F}" srcId="{B1689632-46EB-4E02-AC0B-8CABAE83DAEB}" destId="{CDB80BA5-50A6-493A-87C6-0776A6BBF30D}" srcOrd="0" destOrd="0" parTransId="{F55F2F6F-1398-4692-A70E-05AA0F1B2E23}" sibTransId="{9D0EAC20-D918-469B-9F09-E1AE79E254E3}"/>
-    <dgm:cxn modelId="{2B5DAC02-1950-4085-B3DA-90FA5AECAC17}" srcId="{A9D4FCCA-6EF4-40AC-8D7E-AE30D1100ECC}" destId="{B1689632-46EB-4E02-AC0B-8CABAE83DAEB}" srcOrd="0" destOrd="0" parTransId="{8BC39453-94BE-4C80-BAE2-426A324E7EE4}" sibTransId="{7E23FC40-65AD-4903-BA97-830B9B16FAF6}"/>
-    <dgm:cxn modelId="{F6B4DCB7-A4B0-46AC-B8A4-177AEAB3E0B3}" type="presOf" srcId="{82F10C44-6873-406F-A4E3-2953D084B8D0}" destId="{CAB5B97B-61ED-408D-8E0C-FC3F6DBEC5D8}" srcOrd="0" destOrd="0" presId="urn:microsoft.com/office/officeart/2008/layout/SquareAccentList"/>
-    <dgm:cxn modelId="{816D1FBE-ED63-43E7-8475-EC6CAAADB053}" type="presOf" srcId="{D20875CB-BEC1-4B92-9230-8BC15D5456FB}" destId="{A6AFC600-7F3C-49DE-8CC2-6F9CA194174C}" srcOrd="0" destOrd="0" presId="urn:microsoft.com/office/officeart/2008/layout/SquareAccentList"/>
-    <dgm:cxn modelId="{4E311A9E-510F-4D2B-B075-10974950BA00}" srcId="{82F10C44-6873-406F-A4E3-2953D084B8D0}" destId="{54D760E2-0EB1-4294-9D0D-34E7D4AA0612}" srcOrd="2" destOrd="0" parTransId="{E7BF69F1-CD23-45CF-96F2-0739E2D3E90D}" sibTransId="{E9D665B9-8A54-4E3E-973C-30F8A1108376}"/>
-    <dgm:cxn modelId="{3A953C03-7006-45E8-BBC0-27F1FDEFC4AC}" type="presOf" srcId="{CDB80BA5-50A6-493A-87C6-0776A6BBF30D}" destId="{37155EBC-0ACF-4BDD-AD2E-AE934087EF93}" srcOrd="0" destOrd="0" presId="urn:microsoft.com/office/officeart/2008/layout/SquareAccentList"/>
-    <dgm:cxn modelId="{7AD98A8E-5B45-41F1-8995-6A84C60E243D}" srcId="{82F10C44-6873-406F-A4E3-2953D084B8D0}" destId="{D20875CB-BEC1-4B92-9230-8BC15D5456FB}" srcOrd="0" destOrd="0" parTransId="{37095134-37B7-455F-811A-000C6B6410FC}" sibTransId="{1ACB3E53-04E6-4FA2-A5BA-42D451A2760E}"/>
-    <dgm:cxn modelId="{0B9EC719-F6CA-4704-B5E3-E27AAD3793DD}" srcId="{82F10C44-6873-406F-A4E3-2953D084B8D0}" destId="{4F2C388A-B682-40D0-B311-87A469CD1185}" srcOrd="1" destOrd="0" parTransId="{ADA61947-628B-4EB0-84F3-6BE35D518C56}" sibTransId="{E45C58B4-A364-460A-8AF1-F9342BBFF2B2}"/>
-    <dgm:cxn modelId="{92D3B9D5-164E-4A71-8A89-49F24C3C5767}" type="presOf" srcId="{B1689632-46EB-4E02-AC0B-8CABAE83DAEB}" destId="{249ECA88-BD6B-4386-ABEC-7FEF893E55ED}" srcOrd="0" destOrd="0" presId="urn:microsoft.com/office/officeart/2008/layout/SquareAccentList"/>
-    <dgm:cxn modelId="{28317A9E-6F91-4222-B5C5-F69B08E061B7}" srcId="{A9D4FCCA-6EF4-40AC-8D7E-AE30D1100ECC}" destId="{82F10C44-6873-406F-A4E3-2953D084B8D0}" srcOrd="1" destOrd="0" parTransId="{3F3BF53F-DA13-415C-913A-1F1C3D0F7D3C}" sibTransId="{8FE15857-0D04-4709-88F3-44990D388EEB}"/>
     <dgm:cxn modelId="{6E25A2DE-F1A2-481F-957B-CFC80E6F1E5E}" type="presParOf" srcId="{5316971E-4AAE-43B2-8B38-5C8152BF5349}" destId="{3E40468F-CE24-4B33-97B5-C3EFDABC2DE3}" srcOrd="0" destOrd="0" presId="urn:microsoft.com/office/officeart/2008/layout/SquareAccentList"/>
     <dgm:cxn modelId="{1F144A51-1246-49DD-A830-4FCC21F722DA}" type="presParOf" srcId="{3E40468F-CE24-4B33-97B5-C3EFDABC2DE3}" destId="{DE96C4F3-3DBF-4BE9-825B-2FA7DFC0AC94}" srcOrd="0" destOrd="0" presId="urn:microsoft.com/office/officeart/2008/layout/SquareAccentList"/>
     <dgm:cxn modelId="{AC1F883C-C9BF-49A1-8040-1CD8384DB90C}" type="presParOf" srcId="{DE96C4F3-3DBF-4BE9-825B-2FA7DFC0AC94}" destId="{FBAE1061-C615-476A-8BE2-EF51E71139EA}" srcOrd="0" destOrd="0" presId="urn:microsoft.com/office/officeart/2008/layout/SquareAccentList"/>
@@ -9627,7 +9627,11 @@
           </a:pPr>
           <a:r>
             <a:rPr lang="ru-RU" sz="2400" kern="1200" dirty="0" smtClean="0"/>
-            <a:t>Обмен данными образовательной деятельности</a:t>
+            <a:t>Обмен данными </a:t>
+          </a:r>
+          <a:r>
+            <a:rPr lang="ru-RU" sz="2400" kern="1200" smtClean="0"/>
+            <a:t>образовательной деятельности</a:t>
           </a:r>
           <a:endParaRPr lang="ru-RU" sz="2400" kern="1200" dirty="0"/>
         </a:p>
@@ -11168,12 +11172,8 @@
             </a:spcAft>
           </a:pPr>
           <a:r>
-            <a:rPr lang="ru-RU" sz="1600" kern="1200" dirty="0" smtClean="0"/>
-            <a:t>Проходит</a:t>
-          </a:r>
-          <a:r>
             <a:rPr lang="ru-RU" sz="1600" kern="1200" baseline="0" dirty="0" smtClean="0"/>
-            <a:t> тестирование</a:t>
+            <a:t>Тестирование</a:t>
           </a:r>
           <a:endParaRPr lang="ru-RU" sz="1600" kern="1200" dirty="0"/>
         </a:p>
@@ -14202,7 +14202,7 @@
           </a:pPr>
           <a:r>
             <a:rPr lang="ru-RU" sz="1800" kern="1200" dirty="0" smtClean="0"/>
-            <a:t>Слабая оптимизация под мобильные системы</a:t>
+            <a:t>Несовместимость с аналогами</a:t>
           </a:r>
           <a:endParaRPr lang="ru-RU" sz="1800" kern="1200" dirty="0"/>
         </a:p>
@@ -14666,7 +14666,7 @@
           </a:pPr>
           <a:r>
             <a:rPr lang="ru-RU" sz="1800" kern="1200" dirty="0" smtClean="0"/>
-            <a:t>Актуальность информации</a:t>
+            <a:t>Автоматизирует основные процессы работы учебного отделения</a:t>
           </a:r>
           <a:endParaRPr lang="ru-RU" sz="1800" kern="1200" dirty="0"/>
         </a:p>
@@ -14804,7 +14804,7 @@
           </a:pPr>
           <a:r>
             <a:rPr lang="ru-RU" sz="1800" kern="1200" dirty="0" smtClean="0"/>
-            <a:t>Простота в использовании</a:t>
+            <a:t>Бесплатная</a:t>
           </a:r>
           <a:endParaRPr lang="ru-RU" sz="1800" kern="1200" dirty="0"/>
         </a:p>
@@ -28780,7 +28780,7 @@
           <a:p>
             <a:fld id="{3D129705-407E-46FB-9913-F82E9030BE01}" type="datetimeFigureOut">
               <a:rPr lang="ru-RU" smtClean="0"/>
-              <a:t>06.04.2017</a:t>
+              <a:t>12.10.17</a:t>
             </a:fld>
             <a:endParaRPr lang="ru-RU"/>
           </a:p>
@@ -29442,7 +29442,7 @@
           <a:p>
             <a:fld id="{86611FF8-70FC-484E-8868-F01CDCEA924F}" type="datetimeFigureOut">
               <a:rPr lang="ru-RU" smtClean="0"/>
-              <a:t>06.04.2017</a:t>
+              <a:t>12.10.17</a:t>
             </a:fld>
             <a:endParaRPr lang="ru-RU"/>
           </a:p>
@@ -29650,7 +29650,7 @@
           <a:p>
             <a:fld id="{86611FF8-70FC-484E-8868-F01CDCEA924F}" type="datetimeFigureOut">
               <a:rPr lang="ru-RU" smtClean="0"/>
-              <a:t>06.04.2017</a:t>
+              <a:t>12.10.17</a:t>
             </a:fld>
             <a:endParaRPr lang="ru-RU"/>
           </a:p>
@@ -29906,7 +29906,7 @@
           <a:p>
             <a:fld id="{86611FF8-70FC-484E-8868-F01CDCEA924F}" type="datetimeFigureOut">
               <a:rPr lang="ru-RU" smtClean="0"/>
-              <a:t>06.04.2017</a:t>
+              <a:t>12.10.17</a:t>
             </a:fld>
             <a:endParaRPr lang="ru-RU"/>
           </a:p>
@@ -30080,7 +30080,7 @@
           <a:p>
             <a:fld id="{86611FF8-70FC-484E-8868-F01CDCEA924F}" type="datetimeFigureOut">
               <a:rPr lang="ru-RU" smtClean="0"/>
-              <a:t>06.04.2017</a:t>
+              <a:t>12.10.17</a:t>
             </a:fld>
             <a:endParaRPr lang="ru-RU"/>
           </a:p>
@@ -30423,7 +30423,7 @@
           <a:p>
             <a:fld id="{86611FF8-70FC-484E-8868-F01CDCEA924F}" type="datetimeFigureOut">
               <a:rPr lang="ru-RU" smtClean="0"/>
-              <a:t>06.04.2017</a:t>
+              <a:t>12.10.17</a:t>
             </a:fld>
             <a:endParaRPr lang="ru-RU"/>
           </a:p>
@@ -30698,7 +30698,7 @@
           <a:p>
             <a:fld id="{86611FF8-70FC-484E-8868-F01CDCEA924F}" type="datetimeFigureOut">
               <a:rPr lang="ru-RU" smtClean="0"/>
-              <a:t>06.04.2017</a:t>
+              <a:t>12.10.17</a:t>
             </a:fld>
             <a:endParaRPr lang="ru-RU"/>
           </a:p>
@@ -31077,7 +31077,7 @@
           <a:p>
             <a:fld id="{86611FF8-70FC-484E-8868-F01CDCEA924F}" type="datetimeFigureOut">
               <a:rPr lang="ru-RU" smtClean="0"/>
-              <a:t>06.04.2017</a:t>
+              <a:t>12.10.17</a:t>
             </a:fld>
             <a:endParaRPr lang="ru-RU"/>
           </a:p>
@@ -31195,7 +31195,7 @@
           <a:p>
             <a:fld id="{86611FF8-70FC-484E-8868-F01CDCEA924F}" type="datetimeFigureOut">
               <a:rPr lang="ru-RU" smtClean="0"/>
-              <a:t>06.04.2017</a:t>
+              <a:t>12.10.17</a:t>
             </a:fld>
             <a:endParaRPr lang="ru-RU"/>
           </a:p>
@@ -31366,7 +31366,7 @@
           <a:p>
             <a:fld id="{86611FF8-70FC-484E-8868-F01CDCEA924F}" type="datetimeFigureOut">
               <a:rPr lang="ru-RU" smtClean="0"/>
-              <a:t>06.04.2017</a:t>
+              <a:t>12.10.17</a:t>
             </a:fld>
             <a:endParaRPr lang="ru-RU"/>
           </a:p>
@@ -31720,7 +31720,7 @@
           <a:p>
             <a:fld id="{86611FF8-70FC-484E-8868-F01CDCEA924F}" type="datetimeFigureOut">
               <a:rPr lang="ru-RU" smtClean="0"/>
-              <a:t>06.04.2017</a:t>
+              <a:t>12.10.17</a:t>
             </a:fld>
             <a:endParaRPr lang="ru-RU"/>
           </a:p>
@@ -32102,7 +32102,7 @@
           <a:p>
             <a:fld id="{86611FF8-70FC-484E-8868-F01CDCEA924F}" type="datetimeFigureOut">
               <a:rPr lang="ru-RU" smtClean="0"/>
-              <a:t>06.04.2017</a:t>
+              <a:t>12.10.17</a:t>
             </a:fld>
             <a:endParaRPr lang="ru-RU"/>
           </a:p>
@@ -32389,7 +32389,7 @@
           <a:p>
             <a:fld id="{86611FF8-70FC-484E-8868-F01CDCEA924F}" type="datetimeFigureOut">
               <a:rPr lang="ru-RU" smtClean="0"/>
-              <a:t>06.04.2017</a:t>
+              <a:t>12.10.17</a:t>
             </a:fld>
             <a:endParaRPr lang="ru-RU"/>
           </a:p>
@@ -34238,7 +34238,7 @@
           <p:nvPr>
             <p:extLst>
               <p:ext uri="{D42A27DB-BD31-4B8C-83A1-F6EECF244321}">
-                <p14:modId xmlns:p14="http://schemas.microsoft.com/office/powerpoint/2010/main" val="281849824"/>
+                <p14:modId xmlns:p14="http://schemas.microsoft.com/office/powerpoint/2010/main" val="453061423"/>
               </p:ext>
             </p:extLst>
           </p:nvPr>
@@ -38755,7 +38755,7 @@
             <p:ph idx="1"/>
             <p:extLst>
               <p:ext uri="{D42A27DB-BD31-4B8C-83A1-F6EECF244321}">
-                <p14:modId xmlns:p14="http://schemas.microsoft.com/office/powerpoint/2010/main" val="3747156985"/>
+                <p14:modId xmlns:p14="http://schemas.microsoft.com/office/powerpoint/2010/main" val="3593404969"/>
               </p:ext>
             </p:extLst>
           </p:nvPr>
@@ -38887,21 +38887,73 @@
                             </p:childTnLst>
                           </p:cTn>
                         </p:par>
+                      </p:childTnLst>
+                    </p:cTn>
+                  </p:par>
+                  <p:par>
+                    <p:cTn id="10" fill="hold">
+                      <p:stCondLst>
+                        <p:cond delay="indefinite"/>
+                      </p:stCondLst>
+                      <p:childTnLst>
                         <p:par>
-                          <p:cTn id="10" fill="hold">
+                          <p:cTn id="11" fill="hold">
                             <p:stCondLst>
-                              <p:cond delay="1000"/>
+                              <p:cond delay="0"/>
                             </p:stCondLst>
                             <p:childTnLst>
                               <p:par>
-                                <p:cTn id="11" presetID="10" presetClass="entr" presetSubtype="0" fill="hold" grpId="0" nodeType="afterEffect">
+                                <p:cTn id="12" presetID="10" presetClass="entr" presetSubtype="0" fill="hold" grpId="0" nodeType="clickEffect">
                                   <p:stCondLst>
                                     <p:cond delay="0"/>
                                   </p:stCondLst>
                                   <p:childTnLst>
                                     <p:set>
                                       <p:cBhvr>
-                                        <p:cTn id="12" dur="1" fill="hold">
+                                        <p:cTn id="13" dur="1" fill="hold">
+                                          <p:stCondLst>
+                                            <p:cond delay="0"/>
+                                          </p:stCondLst>
+                                        </p:cTn>
+                                        <p:tgtEl>
+                                          <p:spTgt spid="11">
+                                            <p:graphicEl>
+                                              <a:dgm id="{FBAE1061-C615-476A-8BE2-EF51E71139EA}"/>
+                                            </p:graphicEl>
+                                          </p:spTgt>
+                                        </p:tgtEl>
+                                        <p:attrNameLst>
+                                          <p:attrName>style.visibility</p:attrName>
+                                        </p:attrNameLst>
+                                      </p:cBhvr>
+                                      <p:to>
+                                        <p:strVal val="visible"/>
+                                      </p:to>
+                                    </p:set>
+                                    <p:animEffect transition="in" filter="fade">
+                                      <p:cBhvr>
+                                        <p:cTn id="14" dur="500"/>
+                                        <p:tgtEl>
+                                          <p:spTgt spid="11">
+                                            <p:graphicEl>
+                                              <a:dgm id="{FBAE1061-C615-476A-8BE2-EF51E71139EA}"/>
+                                            </p:graphicEl>
+                                          </p:spTgt>
+                                        </p:tgtEl>
+                                      </p:cBhvr>
+                                    </p:animEffect>
+                                  </p:childTnLst>
+                                </p:cTn>
+                              </p:par>
+                              <p:par>
+                                <p:cTn id="15" presetID="10" presetClass="entr" presetSubtype="0" fill="hold" grpId="0" nodeType="withEffect">
+                                  <p:stCondLst>
+                                    <p:cond delay="0"/>
+                                  </p:stCondLst>
+                                  <p:childTnLst>
+                                    <p:set>
+                                      <p:cBhvr>
+                                        <p:cTn id="16" dur="1" fill="hold">
                                           <p:stCondLst>
                                             <p:cond delay="0"/>
                                           </p:stCondLst>
@@ -38923,7 +38975,7 @@
                                     </p:set>
                                     <p:animEffect transition="in" filter="fade">
                                       <p:cBhvr>
-                                        <p:cTn id="13" dur="500"/>
+                                        <p:cTn id="17" dur="500"/>
                                         <p:tgtEl>
                                           <p:spTgt spid="11">
                                             <p:graphicEl>
@@ -38936,76 +38988,15 @@
                                   </p:childTnLst>
                                 </p:cTn>
                               </p:par>
-                            </p:childTnLst>
-                          </p:cTn>
-                        </p:par>
-                        <p:par>
-                          <p:cTn id="14" fill="hold">
-                            <p:stCondLst>
-                              <p:cond delay="1500"/>
-                            </p:stCondLst>
-                            <p:childTnLst>
                               <p:par>
-                                <p:cTn id="15" presetID="10" presetClass="entr" presetSubtype="0" fill="hold" grpId="0" nodeType="afterEffect">
+                                <p:cTn id="18" presetID="10" presetClass="entr" presetSubtype="0" fill="hold" grpId="0" nodeType="withEffect">
                                   <p:stCondLst>
                                     <p:cond delay="0"/>
                                   </p:stCondLst>
                                   <p:childTnLst>
                                     <p:set>
                                       <p:cBhvr>
-                                        <p:cTn id="16" dur="1" fill="hold">
-                                          <p:stCondLst>
-                                            <p:cond delay="0"/>
-                                          </p:stCondLst>
-                                        </p:cTn>
-                                        <p:tgtEl>
-                                          <p:spTgt spid="11">
-                                            <p:graphicEl>
-                                              <a:dgm id="{FBAE1061-C615-476A-8BE2-EF51E71139EA}"/>
-                                            </p:graphicEl>
-                                          </p:spTgt>
-                                        </p:tgtEl>
-                                        <p:attrNameLst>
-                                          <p:attrName>style.visibility</p:attrName>
-                                        </p:attrNameLst>
-                                      </p:cBhvr>
-                                      <p:to>
-                                        <p:strVal val="visible"/>
-                                      </p:to>
-                                    </p:set>
-                                    <p:animEffect transition="in" filter="fade">
-                                      <p:cBhvr>
-                                        <p:cTn id="17" dur="500"/>
-                                        <p:tgtEl>
-                                          <p:spTgt spid="11">
-                                            <p:graphicEl>
-                                              <a:dgm id="{FBAE1061-C615-476A-8BE2-EF51E71139EA}"/>
-                                            </p:graphicEl>
-                                          </p:spTgt>
-                                        </p:tgtEl>
-                                      </p:cBhvr>
-                                    </p:animEffect>
-                                  </p:childTnLst>
-                                </p:cTn>
-                              </p:par>
-                            </p:childTnLst>
-                          </p:cTn>
-                        </p:par>
-                        <p:par>
-                          <p:cTn id="18" fill="hold">
-                            <p:stCondLst>
-                              <p:cond delay="2000"/>
-                            </p:stCondLst>
-                            <p:childTnLst>
-                              <p:par>
-                                <p:cTn id="19" presetID="10" presetClass="entr" presetSubtype="0" fill="hold" grpId="0" nodeType="afterEffect">
-                                  <p:stCondLst>
-                                    <p:cond delay="0"/>
-                                  </p:stCondLst>
-                                  <p:childTnLst>
-                                    <p:set>
-                                      <p:cBhvr>
-                                        <p:cTn id="20" dur="1" fill="hold">
+                                        <p:cTn id="19" dur="1" fill="hold">
                                           <p:stCondLst>
                                             <p:cond delay="0"/>
                                           </p:stCondLst>
@@ -39027,7 +39018,7 @@
                                     </p:set>
                                     <p:animEffect transition="in" filter="fade">
                                       <p:cBhvr>
-                                        <p:cTn id="21" dur="500"/>
+                                        <p:cTn id="20" dur="500"/>
                                         <p:tgtEl>
                                           <p:spTgt spid="11">
                                             <p:graphicEl>
@@ -39043,14 +39034,23 @@
                             </p:childTnLst>
                           </p:cTn>
                         </p:par>
+                      </p:childTnLst>
+                    </p:cTn>
+                  </p:par>
+                  <p:par>
+                    <p:cTn id="21" fill="hold">
+                      <p:stCondLst>
+                        <p:cond delay="indefinite"/>
+                      </p:stCondLst>
+                      <p:childTnLst>
                         <p:par>
                           <p:cTn id="22" fill="hold">
                             <p:stCondLst>
-                              <p:cond delay="2500"/>
+                              <p:cond delay="0"/>
                             </p:stCondLst>
                             <p:childTnLst>
                               <p:par>
-                                <p:cTn id="23" presetID="10" presetClass="entr" presetSubtype="0" fill="hold" grpId="0" nodeType="afterEffect">
+                                <p:cTn id="23" presetID="10" presetClass="entr" presetSubtype="0" fill="hold" grpId="0" nodeType="clickEffect">
                                   <p:stCondLst>
                                     <p:cond delay="0"/>
                                   </p:stCondLst>
@@ -39092,24 +39092,15 @@
                                   </p:childTnLst>
                                 </p:cTn>
                               </p:par>
-                            </p:childTnLst>
-                          </p:cTn>
-                        </p:par>
-                        <p:par>
-                          <p:cTn id="26" fill="hold">
-                            <p:stCondLst>
-                              <p:cond delay="3000"/>
-                            </p:stCondLst>
-                            <p:childTnLst>
                               <p:par>
-                                <p:cTn id="27" presetID="10" presetClass="entr" presetSubtype="0" fill="hold" grpId="0" nodeType="afterEffect">
+                                <p:cTn id="26" presetID="10" presetClass="entr" presetSubtype="0" fill="hold" grpId="0" nodeType="withEffect">
                                   <p:stCondLst>
                                     <p:cond delay="0"/>
                                   </p:stCondLst>
                                   <p:childTnLst>
                                     <p:set>
                                       <p:cBhvr>
-                                        <p:cTn id="28" dur="1" fill="hold">
+                                        <p:cTn id="27" dur="1" fill="hold">
                                           <p:stCondLst>
                                             <p:cond delay="0"/>
                                           </p:stCondLst>
@@ -39131,7 +39122,7 @@
                                     </p:set>
                                     <p:animEffect transition="in" filter="fade">
                                       <p:cBhvr>
-                                        <p:cTn id="29" dur="500"/>
+                                        <p:cTn id="28" dur="500"/>
                                         <p:tgtEl>
                                           <p:spTgt spid="11">
                                             <p:graphicEl>
@@ -39147,14 +39138,23 @@
                             </p:childTnLst>
                           </p:cTn>
                         </p:par>
+                      </p:childTnLst>
+                    </p:cTn>
+                  </p:par>
+                  <p:par>
+                    <p:cTn id="29" fill="hold">
+                      <p:stCondLst>
+                        <p:cond delay="indefinite"/>
+                      </p:stCondLst>
+                      <p:childTnLst>
                         <p:par>
                           <p:cTn id="30" fill="hold">
                             <p:stCondLst>
-                              <p:cond delay="3500"/>
+                              <p:cond delay="0"/>
                             </p:stCondLst>
                             <p:childTnLst>
                               <p:par>
-                                <p:cTn id="31" presetID="10" presetClass="entr" presetSubtype="0" fill="hold" grpId="0" nodeType="afterEffect">
+                                <p:cTn id="31" presetID="10" presetClass="entr" presetSubtype="0" fill="hold" grpId="0" nodeType="clickEffect">
                                   <p:stCondLst>
                                     <p:cond delay="0"/>
                                   </p:stCondLst>
@@ -39162,6 +39162,49 @@
                                     <p:set>
                                       <p:cBhvr>
                                         <p:cTn id="32" dur="1" fill="hold">
+                                          <p:stCondLst>
+                                            <p:cond delay="0"/>
+                                          </p:stCondLst>
+                                        </p:cTn>
+                                        <p:tgtEl>
+                                          <p:spTgt spid="11">
+                                            <p:graphicEl>
+                                              <a:dgm id="{8F89B1DA-DC0C-4217-B076-05022A32B97F}"/>
+                                            </p:graphicEl>
+                                          </p:spTgt>
+                                        </p:tgtEl>
+                                        <p:attrNameLst>
+                                          <p:attrName>style.visibility</p:attrName>
+                                        </p:attrNameLst>
+                                      </p:cBhvr>
+                                      <p:to>
+                                        <p:strVal val="visible"/>
+                                      </p:to>
+                                    </p:set>
+                                    <p:animEffect transition="in" filter="fade">
+                                      <p:cBhvr>
+                                        <p:cTn id="33" dur="500"/>
+                                        <p:tgtEl>
+                                          <p:spTgt spid="11">
+                                            <p:graphicEl>
+                                              <a:dgm id="{8F89B1DA-DC0C-4217-B076-05022A32B97F}"/>
+                                            </p:graphicEl>
+                                          </p:spTgt>
+                                        </p:tgtEl>
+                                      </p:cBhvr>
+                                    </p:animEffect>
+                                  </p:childTnLst>
+                                </p:cTn>
+                              </p:par>
+                              <p:par>
+                                <p:cTn id="34" presetID="10" presetClass="entr" presetSubtype="0" fill="hold" grpId="0" nodeType="withEffect">
+                                  <p:stCondLst>
+                                    <p:cond delay="0"/>
+                                  </p:stCondLst>
+                                  <p:childTnLst>
+                                    <p:set>
+                                      <p:cBhvr>
+                                        <p:cTn id="35" dur="1" fill="hold">
                                           <p:stCondLst>
                                             <p:cond delay="0"/>
                                           </p:stCondLst>
@@ -39183,7 +39226,7 @@
                                     </p:set>
                                     <p:animEffect transition="in" filter="fade">
                                       <p:cBhvr>
-                                        <p:cTn id="33" dur="500"/>
+                                        <p:cTn id="36" dur="500"/>
                                         <p:tgtEl>
                                           <p:spTgt spid="11">
                                             <p:graphicEl>
@@ -39196,76 +39239,15 @@
                                   </p:childTnLst>
                                 </p:cTn>
                               </p:par>
-                            </p:childTnLst>
-                          </p:cTn>
-                        </p:par>
-                        <p:par>
-                          <p:cTn id="34" fill="hold">
-                            <p:stCondLst>
-                              <p:cond delay="4000"/>
-                            </p:stCondLst>
-                            <p:childTnLst>
                               <p:par>
-                                <p:cTn id="35" presetID="10" presetClass="entr" presetSubtype="0" fill="hold" grpId="0" nodeType="afterEffect">
+                                <p:cTn id="37" presetID="10" presetClass="entr" presetSubtype="0" fill="hold" grpId="0" nodeType="withEffect">
                                   <p:stCondLst>
                                     <p:cond delay="0"/>
                                   </p:stCondLst>
                                   <p:childTnLst>
                                     <p:set>
                                       <p:cBhvr>
-                                        <p:cTn id="36" dur="1" fill="hold">
-                                          <p:stCondLst>
-                                            <p:cond delay="0"/>
-                                          </p:stCondLst>
-                                        </p:cTn>
-                                        <p:tgtEl>
-                                          <p:spTgt spid="11">
-                                            <p:graphicEl>
-                                              <a:dgm id="{8F89B1DA-DC0C-4217-B076-05022A32B97F}"/>
-                                            </p:graphicEl>
-                                          </p:spTgt>
-                                        </p:tgtEl>
-                                        <p:attrNameLst>
-                                          <p:attrName>style.visibility</p:attrName>
-                                        </p:attrNameLst>
-                                      </p:cBhvr>
-                                      <p:to>
-                                        <p:strVal val="visible"/>
-                                      </p:to>
-                                    </p:set>
-                                    <p:animEffect transition="in" filter="fade">
-                                      <p:cBhvr>
-                                        <p:cTn id="37" dur="500"/>
-                                        <p:tgtEl>
-                                          <p:spTgt spid="11">
-                                            <p:graphicEl>
-                                              <a:dgm id="{8F89B1DA-DC0C-4217-B076-05022A32B97F}"/>
-                                            </p:graphicEl>
-                                          </p:spTgt>
-                                        </p:tgtEl>
-                                      </p:cBhvr>
-                                    </p:animEffect>
-                                  </p:childTnLst>
-                                </p:cTn>
-                              </p:par>
-                            </p:childTnLst>
-                          </p:cTn>
-                        </p:par>
-                        <p:par>
-                          <p:cTn id="38" fill="hold">
-                            <p:stCondLst>
-                              <p:cond delay="4500"/>
-                            </p:stCondLst>
-                            <p:childTnLst>
-                              <p:par>
-                                <p:cTn id="39" presetID="10" presetClass="entr" presetSubtype="0" fill="hold" grpId="0" nodeType="afterEffect">
-                                  <p:stCondLst>
-                                    <p:cond delay="0"/>
-                                  </p:stCondLst>
-                                  <p:childTnLst>
-                                    <p:set>
-                                      <p:cBhvr>
-                                        <p:cTn id="40" dur="1" fill="hold">
+                                        <p:cTn id="38" dur="1" fill="hold">
                                           <p:stCondLst>
                                             <p:cond delay="0"/>
                                           </p:stCondLst>
@@ -39287,7 +39269,7 @@
                                     </p:set>
                                     <p:animEffect transition="in" filter="fade">
                                       <p:cBhvr>
-                                        <p:cTn id="41" dur="500"/>
+                                        <p:cTn id="39" dur="500"/>
                                         <p:tgtEl>
                                           <p:spTgt spid="11">
                                             <p:graphicEl>
@@ -39303,21 +39285,30 @@
                             </p:childTnLst>
                           </p:cTn>
                         </p:par>
+                      </p:childTnLst>
+                    </p:cTn>
+                  </p:par>
+                  <p:par>
+                    <p:cTn id="40" fill="hold">
+                      <p:stCondLst>
+                        <p:cond delay="indefinite"/>
+                      </p:stCondLst>
+                      <p:childTnLst>
                         <p:par>
-                          <p:cTn id="42" fill="hold">
+                          <p:cTn id="41" fill="hold">
                             <p:stCondLst>
-                              <p:cond delay="5000"/>
+                              <p:cond delay="0"/>
                             </p:stCondLst>
                             <p:childTnLst>
                               <p:par>
-                                <p:cTn id="43" presetID="10" presetClass="entr" presetSubtype="0" fill="hold" grpId="0" nodeType="afterEffect">
+                                <p:cTn id="42" presetID="10" presetClass="entr" presetSubtype="0" fill="hold" grpId="0" nodeType="clickEffect">
                                   <p:stCondLst>
                                     <p:cond delay="0"/>
                                   </p:stCondLst>
                                   <p:childTnLst>
                                     <p:set>
                                       <p:cBhvr>
-                                        <p:cTn id="44" dur="1" fill="hold">
+                                        <p:cTn id="43" dur="1" fill="hold">
                                           <p:stCondLst>
                                             <p:cond delay="0"/>
                                           </p:stCondLst>
@@ -39339,7 +39330,7 @@
                                     </p:set>
                                     <p:animEffect transition="in" filter="fade">
                                       <p:cBhvr>
-                                        <p:cTn id="45" dur="500"/>
+                                        <p:cTn id="44" dur="500"/>
                                         <p:tgtEl>
                                           <p:spTgt spid="11">
                                             <p:graphicEl>
@@ -39352,24 +39343,15 @@
                                   </p:childTnLst>
                                 </p:cTn>
                               </p:par>
-                            </p:childTnLst>
-                          </p:cTn>
-                        </p:par>
-                        <p:par>
-                          <p:cTn id="46" fill="hold">
-                            <p:stCondLst>
-                              <p:cond delay="5500"/>
-                            </p:stCondLst>
-                            <p:childTnLst>
                               <p:par>
-                                <p:cTn id="47" presetID="10" presetClass="entr" presetSubtype="0" fill="hold" grpId="0" nodeType="afterEffect">
+                                <p:cTn id="45" presetID="10" presetClass="entr" presetSubtype="0" fill="hold" grpId="0" nodeType="withEffect">
                                   <p:stCondLst>
                                     <p:cond delay="0"/>
                                   </p:stCondLst>
                                   <p:childTnLst>
                                     <p:set>
                                       <p:cBhvr>
-                                        <p:cTn id="48" dur="1" fill="hold">
+                                        <p:cTn id="46" dur="1" fill="hold">
                                           <p:stCondLst>
                                             <p:cond delay="0"/>
                                           </p:stCondLst>
@@ -39391,7 +39373,7 @@
                                     </p:set>
                                     <p:animEffect transition="in" filter="fade">
                                       <p:cBhvr>
-                                        <p:cTn id="49" dur="500"/>
+                                        <p:cTn id="47" dur="500"/>
                                         <p:tgtEl>
                                           <p:spTgt spid="11">
                                             <p:graphicEl>
@@ -39407,21 +39389,30 @@
                             </p:childTnLst>
                           </p:cTn>
                         </p:par>
+                      </p:childTnLst>
+                    </p:cTn>
+                  </p:par>
+                  <p:par>
+                    <p:cTn id="48" fill="hold">
+                      <p:stCondLst>
+                        <p:cond delay="indefinite"/>
+                      </p:stCondLst>
+                      <p:childTnLst>
                         <p:par>
-                          <p:cTn id="50" fill="hold">
+                          <p:cTn id="49" fill="hold">
                             <p:stCondLst>
-                              <p:cond delay="6000"/>
+                              <p:cond delay="0"/>
                             </p:stCondLst>
                             <p:childTnLst>
                               <p:par>
-                                <p:cTn id="51" presetID="10" presetClass="entr" presetSubtype="0" fill="hold" grpId="0" nodeType="afterEffect">
+                                <p:cTn id="50" presetID="10" presetClass="entr" presetSubtype="0" fill="hold" grpId="0" nodeType="clickEffect">
                                   <p:stCondLst>
                                     <p:cond delay="0"/>
                                   </p:stCondLst>
                                   <p:childTnLst>
                                     <p:set>
                                       <p:cBhvr>
-                                        <p:cTn id="52" dur="1" fill="hold">
+                                        <p:cTn id="51" dur="1" fill="hold">
                                           <p:stCondLst>
                                             <p:cond delay="0"/>
                                           </p:stCondLst>
@@ -39443,7 +39434,7 @@
                                     </p:set>
                                     <p:animEffect transition="in" filter="fade">
                                       <p:cBhvr>
-                                        <p:cTn id="53" dur="500"/>
+                                        <p:cTn id="52" dur="500"/>
                                         <p:tgtEl>
                                           <p:spTgt spid="11">
                                             <p:graphicEl>
@@ -39456,24 +39447,15 @@
                                   </p:childTnLst>
                                 </p:cTn>
                               </p:par>
-                            </p:childTnLst>
-                          </p:cTn>
-                        </p:par>
-                        <p:par>
-                          <p:cTn id="54" fill="hold">
-                            <p:stCondLst>
-                              <p:cond delay="6500"/>
-                            </p:stCondLst>
-                            <p:childTnLst>
                               <p:par>
-                                <p:cTn id="55" presetID="10" presetClass="entr" presetSubtype="0" fill="hold" grpId="0" nodeType="afterEffect">
+                                <p:cTn id="53" presetID="10" presetClass="entr" presetSubtype="0" fill="hold" grpId="0" nodeType="withEffect">
                                   <p:stCondLst>
                                     <p:cond delay="0"/>
                                   </p:stCondLst>
                                   <p:childTnLst>
                                     <p:set>
                                       <p:cBhvr>
-                                        <p:cTn id="56" dur="1" fill="hold">
+                                        <p:cTn id="54" dur="1" fill="hold">
                                           <p:stCondLst>
                                             <p:cond delay="0"/>
                                           </p:stCondLst>
@@ -39495,7 +39477,7 @@
                                     </p:set>
                                     <p:animEffect transition="in" filter="fade">
                                       <p:cBhvr>
-                                        <p:cTn id="57" dur="500"/>
+                                        <p:cTn id="55" dur="500"/>
                                         <p:tgtEl>
                                           <p:spTgt spid="11">
                                             <p:graphicEl>
@@ -39511,21 +39493,30 @@
                             </p:childTnLst>
                           </p:cTn>
                         </p:par>
+                      </p:childTnLst>
+                    </p:cTn>
+                  </p:par>
+                  <p:par>
+                    <p:cTn id="56" fill="hold">
+                      <p:stCondLst>
+                        <p:cond delay="indefinite"/>
+                      </p:stCondLst>
+                      <p:childTnLst>
                         <p:par>
-                          <p:cTn id="58" fill="hold">
+                          <p:cTn id="57" fill="hold">
                             <p:stCondLst>
-                              <p:cond delay="7000"/>
+                              <p:cond delay="0"/>
                             </p:stCondLst>
                             <p:childTnLst>
                               <p:par>
-                                <p:cTn id="59" presetID="10" presetClass="entr" presetSubtype="0" fill="hold" grpId="0" nodeType="afterEffect">
+                                <p:cTn id="58" presetID="10" presetClass="entr" presetSubtype="0" fill="hold" grpId="0" nodeType="clickEffect">
                                   <p:stCondLst>
                                     <p:cond delay="0"/>
                                   </p:stCondLst>
                                   <p:childTnLst>
                                     <p:set>
                                       <p:cBhvr>
-                                        <p:cTn id="60" dur="1" fill="hold">
+                                        <p:cTn id="59" dur="1" fill="hold">
                                           <p:stCondLst>
                                             <p:cond delay="0"/>
                                           </p:stCondLst>
@@ -39547,7 +39538,7 @@
                                     </p:set>
                                     <p:animEffect transition="in" filter="fade">
                                       <p:cBhvr>
-                                        <p:cTn id="61" dur="500"/>
+                                        <p:cTn id="60" dur="500"/>
                                         <p:tgtEl>
                                           <p:spTgt spid="11">
                                             <p:graphicEl>
@@ -39560,24 +39551,15 @@
                                   </p:childTnLst>
                                 </p:cTn>
                               </p:par>
-                            </p:childTnLst>
-                          </p:cTn>
-                        </p:par>
-                        <p:par>
-                          <p:cTn id="62" fill="hold">
-                            <p:stCondLst>
-                              <p:cond delay="7500"/>
-                            </p:stCondLst>
-                            <p:childTnLst>
                               <p:par>
-                                <p:cTn id="63" presetID="10" presetClass="entr" presetSubtype="0" fill="hold" grpId="0" nodeType="afterEffect">
+                                <p:cTn id="61" presetID="10" presetClass="entr" presetSubtype="0" fill="hold" grpId="0" nodeType="withEffect">
                                   <p:stCondLst>
                                     <p:cond delay="0"/>
                                   </p:stCondLst>
                                   <p:childTnLst>
                                     <p:set>
                                       <p:cBhvr>
-                                        <p:cTn id="64" dur="1" fill="hold">
+                                        <p:cTn id="62" dur="1" fill="hold">
                                           <p:stCondLst>
                                             <p:cond delay="0"/>
                                           </p:stCondLst>
@@ -39599,7 +39581,7 @@
                                     </p:set>
                                     <p:animEffect transition="in" filter="fade">
                                       <p:cBhvr>
-                                        <p:cTn id="65" dur="500"/>
+                                        <p:cTn id="63" dur="500"/>
                                         <p:tgtEl>
                                           <p:spTgt spid="11">
                                             <p:graphicEl>
@@ -40904,7 +40886,7 @@
     </a:clrScheme>
     <a:fontScheme name="Ретро">
       <a:majorFont>
-        <a:latin typeface="Calibri Light" panose="020F0302020204030204"/>
+        <a:latin typeface="Calibri Light"/>
         <a:ea typeface=""/>
         <a:cs typeface=""/>
         <a:font script="Jpan" typeface="ＭＳ Ｐゴシック"/>
@@ -40939,7 +40921,7 @@
         <a:font script="Geor" typeface="Sylfaen"/>
       </a:majorFont>
       <a:minorFont>
-        <a:latin typeface="Calibri" panose="020F0502020204030204"/>
+        <a:latin typeface="Calibri"/>
         <a:ea typeface=""/>
         <a:cs typeface=""/>
         <a:font script="Jpan" typeface="ＭＳ Ｐゴシック"/>
@@ -41138,7 +41120,7 @@
   <a:extraClrSchemeLst/>
   <a:extLst>
     <a:ext uri="{05A4C25C-085E-4340-85A3-A5531E510DB2}">
-      <thm15:themeFamily xmlns:thm15="http://schemas.microsoft.com/office/thememl/2012/main" name="Retrospect" id="{5F128B03-DCCA-4EEB-AB3B-CF2899314A46}" vid="{3F1AAB62-24C6-49D2-8E01-B56FAC9A3DCD}"/>
+      <thm15:themeFamily xmlns:thm15="http://schemas.microsoft.com/office/thememl/2012/main" xmlns="" name="Retrospect" id="{5F128B03-DCCA-4EEB-AB3B-CF2899314A46}" vid="{3F1AAB62-24C6-49D2-8E01-B56FAC9A3DCD}"/>
     </a:ext>
   </a:extLst>
 </a:theme>
@@ -41187,7 +41169,7 @@
     </a:clrScheme>
     <a:fontScheme name="Стандартная">
       <a:majorFont>
-        <a:latin typeface="Calibri Light" panose="020F0302020204030204"/>
+        <a:latin typeface="Calibri Light"/>
         <a:ea typeface=""/>
         <a:cs typeface=""/>
         <a:font script="Jpan" typeface="ＭＳ Ｐゴシック"/>
@@ -41222,7 +41204,7 @@
         <a:font script="Geor" typeface="Sylfaen"/>
       </a:majorFont>
       <a:minorFont>
-        <a:latin typeface="Calibri" panose="020F0502020204030204"/>
+        <a:latin typeface="Calibri"/>
         <a:ea typeface=""/>
         <a:cs typeface=""/>
         <a:font script="Jpan" typeface="ＭＳ Ｐゴシック"/>
@@ -41399,7 +41381,7 @@
   <a:extraClrSchemeLst/>
   <a:extLst>
     <a:ext uri="{05A4C25C-085E-4340-85A3-A5531E510DB2}">
-      <thm15:themeFamily xmlns:thm15="http://schemas.microsoft.com/office/thememl/2012/main" name="Office Theme" id="{62F939B6-93AF-4DB8-9C6B-D6C7DFDC589F}" vid="{4A3C46E8-61CC-4603-A589-7422A47A8E4A}"/>
+      <thm15:themeFamily xmlns:thm15="http://schemas.microsoft.com/office/thememl/2012/main" xmlns="" name="Office Theme" id="{62F939B6-93AF-4DB8-9C6B-D6C7DFDC589F}" vid="{4A3C46E8-61CC-4603-A589-7422A47A8E4A}"/>
     </a:ext>
   </a:extLst>
 </a:theme>
